--- a/主线剧情.pptx
+++ b/主线剧情.pptx
@@ -5,16 +5,13 @@
     <p:sldMasterId id="2147483648" r:id="rId1"/>
   </p:sldMasterIdLst>
   <p:notesMasterIdLst>
-    <p:notesMasterId r:id="rId9"/>
+    <p:notesMasterId r:id="rId6"/>
   </p:notesMasterIdLst>
   <p:sldIdLst>
     <p:sldId id="256" r:id="rId2"/>
-    <p:sldId id="257" r:id="rId3"/>
-    <p:sldId id="258" r:id="rId4"/>
-    <p:sldId id="262" r:id="rId5"/>
-    <p:sldId id="259" r:id="rId6"/>
-    <p:sldId id="260" r:id="rId7"/>
-    <p:sldId id="261" r:id="rId8"/>
+    <p:sldId id="259" r:id="rId3"/>
+    <p:sldId id="260" r:id="rId4"/>
+    <p:sldId id="261" r:id="rId5"/>
   </p:sldIdLst>
   <p:sldSz cx="12192000" cy="6858000"/>
   <p:notesSz cx="6858000" cy="9144000"/>
@@ -203,7 +200,7 @@
           <a:p>
             <a:fld id="{D2A48B96-639E-45A3-A0BA-2464DFDB1FAA}" type="datetimeFigureOut">
               <a:rPr lang="zh-CN" altLang="en-US" smtClean="0"/>
-              <a:t>2017/8/12</a:t>
+              <a:t>2017/8/20</a:t>
             </a:fld>
             <a:endParaRPr lang="zh-CN" altLang="en-US"/>
           </a:p>
@@ -602,7 +599,7 @@
           <a:p>
             <a:fld id="{D997B5FA-0921-464F-AAE1-844C04324D75}" type="datetimeFigureOut">
               <a:rPr lang="zh-CN" altLang="en-US" smtClean="0"/>
-              <a:t>2017/8/12</a:t>
+              <a:t>2017/8/20</a:t>
             </a:fld>
             <a:endParaRPr lang="zh-CN" altLang="en-US"/>
           </a:p>
@@ -771,7 +768,7 @@
           <a:p>
             <a:fld id="{D997B5FA-0921-464F-AAE1-844C04324D75}" type="datetimeFigureOut">
               <a:rPr lang="zh-CN" altLang="en-US" smtClean="0"/>
-              <a:t>2017/8/12</a:t>
+              <a:t>2017/8/20</a:t>
             </a:fld>
             <a:endParaRPr lang="zh-CN" altLang="en-US"/>
           </a:p>
@@ -950,7 +947,7 @@
           <a:p>
             <a:fld id="{D997B5FA-0921-464F-AAE1-844C04324D75}" type="datetimeFigureOut">
               <a:rPr lang="zh-CN" altLang="en-US" smtClean="0"/>
-              <a:t>2017/8/12</a:t>
+              <a:t>2017/8/20</a:t>
             </a:fld>
             <a:endParaRPr lang="zh-CN" altLang="en-US"/>
           </a:p>
@@ -1119,7 +1116,7 @@
           <a:p>
             <a:fld id="{D997B5FA-0921-464F-AAE1-844C04324D75}" type="datetimeFigureOut">
               <a:rPr lang="zh-CN" altLang="en-US" smtClean="0"/>
-              <a:t>2017/8/12</a:t>
+              <a:t>2017/8/20</a:t>
             </a:fld>
             <a:endParaRPr lang="zh-CN" altLang="en-US"/>
           </a:p>
@@ -1364,7 +1361,7 @@
           <a:p>
             <a:fld id="{D997B5FA-0921-464F-AAE1-844C04324D75}" type="datetimeFigureOut">
               <a:rPr lang="zh-CN" altLang="en-US" smtClean="0"/>
-              <a:t>2017/8/12</a:t>
+              <a:t>2017/8/20</a:t>
             </a:fld>
             <a:endParaRPr lang="zh-CN" altLang="en-US"/>
           </a:p>
@@ -1595,7 +1592,7 @@
           <a:p>
             <a:fld id="{D997B5FA-0921-464F-AAE1-844C04324D75}" type="datetimeFigureOut">
               <a:rPr lang="zh-CN" altLang="en-US" smtClean="0"/>
-              <a:t>2017/8/12</a:t>
+              <a:t>2017/8/20</a:t>
             </a:fld>
             <a:endParaRPr lang="zh-CN" altLang="en-US"/>
           </a:p>
@@ -1961,7 +1958,7 @@
           <a:p>
             <a:fld id="{D997B5FA-0921-464F-AAE1-844C04324D75}" type="datetimeFigureOut">
               <a:rPr lang="zh-CN" altLang="en-US" smtClean="0"/>
-              <a:t>2017/8/12</a:t>
+              <a:t>2017/8/20</a:t>
             </a:fld>
             <a:endParaRPr lang="zh-CN" altLang="en-US"/>
           </a:p>
@@ -2078,7 +2075,7 @@
           <a:p>
             <a:fld id="{D997B5FA-0921-464F-AAE1-844C04324D75}" type="datetimeFigureOut">
               <a:rPr lang="zh-CN" altLang="en-US" smtClean="0"/>
-              <a:t>2017/8/12</a:t>
+              <a:t>2017/8/20</a:t>
             </a:fld>
             <a:endParaRPr lang="zh-CN" altLang="en-US"/>
           </a:p>
@@ -2172,7 +2169,7 @@
           <a:p>
             <a:fld id="{D997B5FA-0921-464F-AAE1-844C04324D75}" type="datetimeFigureOut">
               <a:rPr lang="zh-CN" altLang="en-US" smtClean="0"/>
-              <a:t>2017/8/12</a:t>
+              <a:t>2017/8/20</a:t>
             </a:fld>
             <a:endParaRPr lang="zh-CN" altLang="en-US"/>
           </a:p>
@@ -2448,7 +2445,7 @@
           <a:p>
             <a:fld id="{D997B5FA-0921-464F-AAE1-844C04324D75}" type="datetimeFigureOut">
               <a:rPr lang="zh-CN" altLang="en-US" smtClean="0"/>
-              <a:t>2017/8/12</a:t>
+              <a:t>2017/8/20</a:t>
             </a:fld>
             <a:endParaRPr lang="zh-CN" altLang="en-US"/>
           </a:p>
@@ -2700,7 +2697,7 @@
           <a:p>
             <a:fld id="{D997B5FA-0921-464F-AAE1-844C04324D75}" type="datetimeFigureOut">
               <a:rPr lang="zh-CN" altLang="en-US" smtClean="0"/>
-              <a:t>2017/8/12</a:t>
+              <a:t>2017/8/20</a:t>
             </a:fld>
             <a:endParaRPr lang="zh-CN" altLang="en-US"/>
           </a:p>
@@ -2912,7 +2909,7 @@
           <a:p>
             <a:fld id="{D997B5FA-0921-464F-AAE1-844C04324D75}" type="datetimeFigureOut">
               <a:rPr lang="zh-CN" altLang="en-US" smtClean="0"/>
-              <a:t>2017/8/12</a:t>
+              <a:t>2017/8/20</a:t>
             </a:fld>
             <a:endParaRPr lang="zh-CN" altLang="en-US"/>
           </a:p>
@@ -3492,20 +3489,12 @@
           <a:lstStyle/>
           <a:p>
             <a:r>
-              <a:rPr lang="zh-CN" altLang="en-US" sz="4000" dirty="0">
-                <a:solidFill>
-                  <a:schemeClr val="bg1"/>
-                </a:solidFill>
-              </a:rPr>
-              <a:t>思</a:t>
-            </a:r>
-            <a:r>
               <a:rPr lang="zh-CN" altLang="en-US" sz="4000" dirty="0" smtClean="0">
                 <a:solidFill>
                   <a:schemeClr val="bg1"/>
                 </a:solidFill>
               </a:rPr>
-              <a:t>考？</a:t>
+              <a:t>世界观</a:t>
             </a:r>
             <a:endParaRPr lang="zh-CN" altLang="zh-CN" sz="4000" dirty="0">
               <a:solidFill>
@@ -3542,51 +3531,16 @@
           </a:p>
         </p:txBody>
       </p:sp>
-      <p:cxnSp>
-        <p:nvCxnSpPr>
-          <p:cNvPr id="11" name="直接连接符 4"/>
-          <p:cNvCxnSpPr/>
-          <p:nvPr/>
-        </p:nvCxnSpPr>
-        <p:spPr>
-          <a:xfrm flipV="1">
-            <a:off x="661035" y="1905046"/>
-            <a:ext cx="3671683" cy="10749"/>
-          </a:xfrm>
-          <a:prstGeom prst="line">
-            <a:avLst/>
-          </a:prstGeom>
-          <a:ln>
-            <a:solidFill>
-              <a:srgbClr val="00AE66"/>
-            </a:solidFill>
-          </a:ln>
-        </p:spPr>
-        <p:style>
-          <a:lnRef idx="3">
-            <a:schemeClr val="accent6"/>
-          </a:lnRef>
-          <a:fillRef idx="0">
-            <a:schemeClr val="accent6"/>
-          </a:fillRef>
-          <a:effectRef idx="2">
-            <a:schemeClr val="accent6"/>
-          </a:effectRef>
-          <a:fontRef idx="minor">
-            <a:schemeClr val="tx1"/>
-          </a:fontRef>
-        </p:style>
-      </p:cxnSp>
-      <p:sp>
-        <p:nvSpPr>
-          <p:cNvPr id="12" name="文本框 6"/>
+      <p:sp>
+        <p:nvSpPr>
+          <p:cNvPr id="2" name="TextBox 1"/>
           <p:cNvSpPr txBox="1"/>
           <p:nvPr/>
         </p:nvSpPr>
         <p:spPr>
           <a:xfrm>
-            <a:off x="661035" y="1504936"/>
-            <a:ext cx="3936602" cy="400110"/>
+            <a:off x="649480" y="1452785"/>
+            <a:ext cx="5212935" cy="369332"/>
           </a:xfrm>
           <a:prstGeom prst="rect">
             <a:avLst/>
@@ -3600,74 +3554,31 @@
           <a:lstStyle/>
           <a:p>
             <a:r>
-              <a:rPr lang="en-US" altLang="zh-CN" sz="2000" dirty="0" smtClean="0">
-                <a:solidFill>
-                  <a:srgbClr val="00AE66"/>
-                </a:solidFill>
-              </a:rPr>
-              <a:t>NPC</a:t>
-            </a:r>
-            <a:r>
-              <a:rPr lang="zh-CN" altLang="en-US" sz="2000" dirty="0" smtClean="0">
-                <a:solidFill>
-                  <a:srgbClr val="00AE66"/>
-                </a:solidFill>
-              </a:rPr>
-              <a:t>为什么欠主角钱？</a:t>
-            </a:r>
-            <a:endParaRPr lang="zh-CN" altLang="en-US" sz="2000" dirty="0">
-              <a:solidFill>
-                <a:srgbClr val="00AE66"/>
-              </a:solidFill>
-            </a:endParaRPr>
-          </a:p>
-        </p:txBody>
-      </p:sp>
-      <p:cxnSp>
-        <p:nvCxnSpPr>
-          <p:cNvPr id="13" name="直接连接符 4"/>
-          <p:cNvCxnSpPr/>
-          <p:nvPr/>
-        </p:nvCxnSpPr>
-        <p:spPr>
-          <a:xfrm flipV="1">
-            <a:off x="6385293" y="1905046"/>
-            <a:ext cx="3671683" cy="10749"/>
-          </a:xfrm>
-          <a:prstGeom prst="line">
-            <a:avLst/>
-          </a:prstGeom>
-          <a:ln>
-            <a:solidFill>
-              <a:srgbClr val="00AE66"/>
-            </a:solidFill>
-          </a:ln>
-        </p:spPr>
-        <p:style>
-          <a:lnRef idx="3">
-            <a:schemeClr val="accent6"/>
-          </a:lnRef>
-          <a:fillRef idx="0">
-            <a:schemeClr val="accent6"/>
-          </a:fillRef>
-          <a:effectRef idx="2">
-            <a:schemeClr val="accent6"/>
-          </a:effectRef>
-          <a:fontRef idx="minor">
-            <a:schemeClr val="tx1"/>
-          </a:fontRef>
-        </p:style>
-      </p:cxnSp>
-      <p:sp>
-        <p:nvSpPr>
-          <p:cNvPr id="14" name="文本框 6"/>
+              <a:rPr lang="en-US" altLang="zh-CN" dirty="0" smtClean="0"/>
+              <a:t>1.</a:t>
+            </a:r>
+            <a:r>
+              <a:rPr lang="zh-CN" altLang="en-US" dirty="0"/>
+              <a:t>奇葩小</a:t>
+            </a:r>
+            <a:r>
+              <a:rPr lang="zh-CN" altLang="en-US" dirty="0" smtClean="0"/>
+              <a:t>镇（整个小镇和谐，借钱从来不还）</a:t>
+            </a:r>
+            <a:endParaRPr lang="zh-CN" altLang="en-US" dirty="0"/>
+          </a:p>
+        </p:txBody>
+      </p:sp>
+      <p:sp>
+        <p:nvSpPr>
+          <p:cNvPr id="7" name="TextBox 6"/>
           <p:cNvSpPr txBox="1"/>
           <p:nvPr/>
         </p:nvSpPr>
         <p:spPr>
           <a:xfrm>
-            <a:off x="6385293" y="1504936"/>
-            <a:ext cx="3936602" cy="400110"/>
+            <a:off x="649480" y="2041097"/>
+            <a:ext cx="3965249" cy="369332"/>
           </a:xfrm>
           <a:prstGeom prst="rect">
             <a:avLst/>
@@ -3681,22 +3592,27 @@
           <a:lstStyle/>
           <a:p>
             <a:r>
-              <a:rPr lang="zh-CN" altLang="en-US" sz="2000" dirty="0" smtClean="0">
-                <a:solidFill>
-                  <a:srgbClr val="00AE66"/>
-                </a:solidFill>
-              </a:rPr>
-              <a:t>主角为什么现在要讨债？</a:t>
-            </a:r>
-            <a:endParaRPr lang="zh-CN" altLang="en-US" sz="2000" dirty="0">
-              <a:solidFill>
-                <a:srgbClr val="00AE66"/>
-              </a:solidFill>
-            </a:endParaRPr>
+              <a:rPr lang="en-US" altLang="zh-CN" dirty="0" smtClean="0"/>
+              <a:t>2.</a:t>
+            </a:r>
+            <a:r>
+              <a:rPr lang="zh-CN" altLang="en-US" dirty="0"/>
+              <a:t>玩</a:t>
+            </a:r>
+            <a:r>
+              <a:rPr lang="zh-CN" altLang="en-US" dirty="0" smtClean="0"/>
+              <a:t>家讨债破坏了小镇的关系</a:t>
+            </a:r>
+            <a:endParaRPr lang="zh-CN" altLang="en-US" dirty="0"/>
           </a:p>
         </p:txBody>
       </p:sp>
     </p:spTree>
+    <p:extLst>
+      <p:ext uri="{BB962C8B-B14F-4D97-AF65-F5344CB8AC3E}">
+        <p14:creationId xmlns:p14="http://schemas.microsoft.com/office/powerpoint/2010/main" val="1571110082"/>
+      </p:ext>
+    </p:extLst>
   </p:cSld>
   <p:clrMapOvr>
     <a:masterClrMapping/>
@@ -3790,26 +3706,13 @@
           <a:lstStyle/>
           <a:p>
             <a:r>
-              <a:rPr lang="zh-CN" altLang="en-US" sz="4000" dirty="0" smtClean="0">
+              <a:rPr lang="zh-CN" altLang="zh-CN" sz="4000" dirty="0">
                 <a:solidFill>
                   <a:schemeClr val="bg1"/>
                 </a:solidFill>
               </a:rPr>
-              <a:t>剧情</a:t>
-            </a:r>
-            <a:r>
-              <a:rPr lang="en-US" altLang="zh-CN" sz="4000" dirty="0" smtClean="0">
-                <a:solidFill>
-                  <a:schemeClr val="bg1"/>
-                </a:solidFill>
-              </a:rPr>
-              <a:t>1</a:t>
-            </a:r>
-            <a:endParaRPr lang="zh-CN" altLang="zh-CN" sz="4000" dirty="0">
-              <a:solidFill>
-                <a:schemeClr val="bg1"/>
-              </a:solidFill>
-            </a:endParaRPr>
+              <a:t>标题</a:t>
+            </a:r>
           </a:p>
         </p:txBody>
       </p:sp>
@@ -3848,8 +3751,8 @@
         </p:nvSpPr>
         <p:spPr>
           <a:xfrm>
-            <a:off x="649480" y="1563880"/>
-            <a:ext cx="5400942" cy="369332"/>
+            <a:off x="828942" y="1589518"/>
+            <a:ext cx="8050138" cy="369332"/>
           </a:xfrm>
           <a:prstGeom prst="rect">
             <a:avLst/>
@@ -3863,99 +3766,27 @@
           <a:lstStyle/>
           <a:p>
             <a:r>
+              <a:rPr lang="en-US" altLang="zh-CN" dirty="0" smtClean="0"/>
+              <a:t>1.</a:t>
+            </a:r>
+            <a:r>
               <a:rPr lang="zh-CN" altLang="en-US" dirty="0" smtClean="0"/>
-              <a:t>主角开了一家讨债公司，替顾客讨债。</a:t>
+              <a:t>镇长告诉你讨债后告诉你个秘密，外星人飞船影响小镇人情绪</a:t>
             </a:r>
             <a:endParaRPr lang="zh-CN" altLang="en-US" dirty="0"/>
           </a:p>
         </p:txBody>
       </p:sp>
-    </p:spTree>
-    <p:extLst>
-      <p:ext uri="{BB962C8B-B14F-4D97-AF65-F5344CB8AC3E}">
-        <p14:creationId xmlns:p14="http://schemas.microsoft.com/office/powerpoint/2010/main" val="425589898"/>
-      </p:ext>
-    </p:extLst>
-  </p:cSld>
-  <p:clrMapOvr>
-    <a:masterClrMapping/>
-  </p:clrMapOvr>
-</p:sld>
-</file>
-
-<file path=ppt/slides/slide4.xml><?xml version="1.0" encoding="utf-8"?>
-<p:sld xmlns:a="http://schemas.openxmlformats.org/drawingml/2006/main" xmlns:r="http://schemas.openxmlformats.org/officeDocument/2006/relationships" xmlns:p="http://schemas.openxmlformats.org/presentationml/2006/main">
-  <p:cSld>
-    <p:spTree>
-      <p:nvGrpSpPr>
-        <p:cNvPr id="1" name=""/>
-        <p:cNvGrpSpPr/>
-        <p:nvPr/>
-      </p:nvGrpSpPr>
-      <p:grpSpPr>
-        <a:xfrm>
-          <a:off x="0" y="0"/>
-          <a:ext cx="0" cy="0"/>
-          <a:chOff x="0" y="0"/>
-          <a:chExt cx="0" cy="0"/>
-        </a:xfrm>
-      </p:grpSpPr>
-      <p:sp>
-        <p:nvSpPr>
-          <p:cNvPr id="6" name="矩形 5"/>
-          <p:cNvSpPr/>
+      <p:sp>
+        <p:nvSpPr>
+          <p:cNvPr id="7" name="TextBox 6"/>
+          <p:cNvSpPr txBox="1"/>
           <p:nvPr/>
         </p:nvSpPr>
         <p:spPr>
           <a:xfrm>
-            <a:off x="0" y="333375"/>
-            <a:ext cx="12192000" cy="900430"/>
-          </a:xfrm>
-          <a:prstGeom prst="rect">
-            <a:avLst/>
-          </a:prstGeom>
-          <a:solidFill>
-            <a:srgbClr val="00AE66"/>
-          </a:solidFill>
-          <a:ln>
-            <a:noFill/>
-          </a:ln>
-        </p:spPr>
-        <p:style>
-          <a:lnRef idx="2">
-            <a:schemeClr val="accent1">
-              <a:shade val="50000"/>
-            </a:schemeClr>
-          </a:lnRef>
-          <a:fillRef idx="1">
-            <a:schemeClr val="accent1"/>
-          </a:fillRef>
-          <a:effectRef idx="0">
-            <a:schemeClr val="accent1"/>
-          </a:effectRef>
-          <a:fontRef idx="minor">
-            <a:schemeClr val="lt1"/>
-          </a:fontRef>
-        </p:style>
-        <p:txBody>
-          <a:bodyPr rtlCol="0" anchor="ctr"/>
-          <a:lstStyle/>
-          <a:p>
-            <a:pPr algn="ctr"/>
-            <a:endParaRPr lang="zh-CN" altLang="en-US"/>
-          </a:p>
-        </p:txBody>
-      </p:sp>
-      <p:sp>
-        <p:nvSpPr>
-          <p:cNvPr id="4" name="文本框 3"/>
-          <p:cNvSpPr txBox="1"/>
-          <p:nvPr/>
-        </p:nvSpPr>
-        <p:spPr>
-          <a:xfrm>
-            <a:off x="570230" y="427990"/>
-            <a:ext cx="4298315" cy="706755"/>
+            <a:off x="828942" y="2129897"/>
+            <a:ext cx="8050138" cy="369332"/>
           </a:xfrm>
           <a:prstGeom prst="rect">
             <a:avLst/>
@@ -3969,355 +3800,14 @@
           <a:lstStyle/>
           <a:p>
             <a:r>
-              <a:rPr lang="zh-CN" altLang="en-US" sz="4000" dirty="0" smtClean="0">
-                <a:solidFill>
-                  <a:schemeClr val="bg1"/>
-                </a:solidFill>
-              </a:rPr>
-              <a:t>剧情</a:t>
-            </a:r>
-            <a:r>
-              <a:rPr lang="en-US" altLang="zh-CN" sz="4000" dirty="0" smtClean="0">
-                <a:solidFill>
-                  <a:schemeClr val="bg1"/>
-                </a:solidFill>
-              </a:rPr>
-              <a:t>2</a:t>
-            </a:r>
-            <a:endParaRPr lang="zh-CN" altLang="zh-CN" sz="4000" dirty="0">
-              <a:solidFill>
-                <a:schemeClr val="bg1"/>
-              </a:solidFill>
-            </a:endParaRPr>
-          </a:p>
-        </p:txBody>
-      </p:sp>
-      <p:sp>
-        <p:nvSpPr>
-          <p:cNvPr id="9" name="页脚占位符 8"/>
-          <p:cNvSpPr>
-            <a:spLocks noGrp="1"/>
-          </p:cNvSpPr>
-          <p:nvPr>
-            <p:ph type="ftr" sz="quarter" idx="11"/>
-          </p:nvPr>
-        </p:nvSpPr>
-        <p:spPr>
-          <a:xfrm>
-            <a:off x="10880090" y="6596380"/>
-            <a:ext cx="1311910" cy="245110"/>
-          </a:xfrm>
-        </p:spPr>
-        <p:txBody>
-          <a:bodyPr/>
-          <a:lstStyle/>
-          <a:p>
-            <a:r>
-              <a:rPr lang="zh-CN" altLang="en-US"/>
-              <a:t>三人开发小组</a:t>
-            </a:r>
-          </a:p>
-        </p:txBody>
-      </p:sp>
-      <p:sp>
-        <p:nvSpPr>
-          <p:cNvPr id="2" name="TextBox 1"/>
-          <p:cNvSpPr txBox="1"/>
-          <p:nvPr/>
-        </p:nvSpPr>
-        <p:spPr>
-          <a:xfrm>
-            <a:off x="649479" y="1563880"/>
-            <a:ext cx="9545653" cy="646331"/>
-          </a:xfrm>
-          <a:prstGeom prst="rect">
-            <a:avLst/>
-          </a:prstGeom>
-          <a:noFill/>
-        </p:spPr>
-        <p:txBody>
-          <a:bodyPr wrap="square" rtlCol="0">
-            <a:spAutoFit/>
-          </a:bodyPr>
-          <a:lstStyle/>
-          <a:p>
+              <a:rPr lang="en-US" altLang="zh-CN" dirty="0" smtClean="0"/>
+              <a:t>2.</a:t>
+            </a:r>
             <a:r>
               <a:rPr lang="zh-CN" altLang="en-US" dirty="0" smtClean="0"/>
-              <a:t>主角以前是个富豪，挥金如土，朋友遍天下。后来破产，朋友都远离他，于是决定要把曾经给出去的钱，拿回来</a:t>
+              <a:t>镇长告诉你讨债后告诉你个秘密，外星人飞船影响小镇人情绪</a:t>
             </a:r>
             <a:endParaRPr lang="zh-CN" altLang="en-US" dirty="0"/>
-          </a:p>
-        </p:txBody>
-      </p:sp>
-    </p:spTree>
-    <p:extLst>
-      <p:ext uri="{BB962C8B-B14F-4D97-AF65-F5344CB8AC3E}">
-        <p14:creationId xmlns:p14="http://schemas.microsoft.com/office/powerpoint/2010/main" val="944531434"/>
-      </p:ext>
-    </p:extLst>
-  </p:cSld>
-  <p:clrMapOvr>
-    <a:masterClrMapping/>
-  </p:clrMapOvr>
-</p:sld>
-</file>
-
-<file path=ppt/slides/slide5.xml><?xml version="1.0" encoding="utf-8"?>
-<p:sld xmlns:a="http://schemas.openxmlformats.org/drawingml/2006/main" xmlns:r="http://schemas.openxmlformats.org/officeDocument/2006/relationships" xmlns:p="http://schemas.openxmlformats.org/presentationml/2006/main">
-  <p:cSld>
-    <p:spTree>
-      <p:nvGrpSpPr>
-        <p:cNvPr id="1" name=""/>
-        <p:cNvGrpSpPr/>
-        <p:nvPr/>
-      </p:nvGrpSpPr>
-      <p:grpSpPr>
-        <a:xfrm>
-          <a:off x="0" y="0"/>
-          <a:ext cx="0" cy="0"/>
-          <a:chOff x="0" y="0"/>
-          <a:chExt cx="0" cy="0"/>
-        </a:xfrm>
-      </p:grpSpPr>
-      <p:sp>
-        <p:nvSpPr>
-          <p:cNvPr id="6" name="矩形 5"/>
-          <p:cNvSpPr/>
-          <p:nvPr/>
-        </p:nvSpPr>
-        <p:spPr>
-          <a:xfrm>
-            <a:off x="0" y="333375"/>
-            <a:ext cx="12192000" cy="900430"/>
-          </a:xfrm>
-          <a:prstGeom prst="rect">
-            <a:avLst/>
-          </a:prstGeom>
-          <a:solidFill>
-            <a:srgbClr val="00AE66"/>
-          </a:solidFill>
-          <a:ln>
-            <a:noFill/>
-          </a:ln>
-        </p:spPr>
-        <p:style>
-          <a:lnRef idx="2">
-            <a:schemeClr val="accent1">
-              <a:shade val="50000"/>
-            </a:schemeClr>
-          </a:lnRef>
-          <a:fillRef idx="1">
-            <a:schemeClr val="accent1"/>
-          </a:fillRef>
-          <a:effectRef idx="0">
-            <a:schemeClr val="accent1"/>
-          </a:effectRef>
-          <a:fontRef idx="minor">
-            <a:schemeClr val="lt1"/>
-          </a:fontRef>
-        </p:style>
-        <p:txBody>
-          <a:bodyPr rtlCol="0" anchor="ctr"/>
-          <a:lstStyle/>
-          <a:p>
-            <a:pPr algn="ctr"/>
-            <a:endParaRPr lang="zh-CN" altLang="en-US"/>
-          </a:p>
-        </p:txBody>
-      </p:sp>
-      <p:sp>
-        <p:nvSpPr>
-          <p:cNvPr id="4" name="文本框 3"/>
-          <p:cNvSpPr txBox="1"/>
-          <p:nvPr/>
-        </p:nvSpPr>
-        <p:spPr>
-          <a:xfrm>
-            <a:off x="570230" y="427990"/>
-            <a:ext cx="4298315" cy="706755"/>
-          </a:xfrm>
-          <a:prstGeom prst="rect">
-            <a:avLst/>
-          </a:prstGeom>
-          <a:noFill/>
-        </p:spPr>
-        <p:txBody>
-          <a:bodyPr wrap="square" rtlCol="0">
-            <a:spAutoFit/>
-          </a:bodyPr>
-          <a:lstStyle/>
-          <a:p>
-            <a:r>
-              <a:rPr lang="zh-CN" altLang="zh-CN" sz="4000" dirty="0">
-                <a:solidFill>
-                  <a:schemeClr val="bg1"/>
-                </a:solidFill>
-              </a:rPr>
-              <a:t>标题</a:t>
-            </a:r>
-          </a:p>
-        </p:txBody>
-      </p:sp>
-      <p:sp>
-        <p:nvSpPr>
-          <p:cNvPr id="9" name="页脚占位符 8"/>
-          <p:cNvSpPr>
-            <a:spLocks noGrp="1"/>
-          </p:cNvSpPr>
-          <p:nvPr>
-            <p:ph type="ftr" sz="quarter" idx="11"/>
-          </p:nvPr>
-        </p:nvSpPr>
-        <p:spPr>
-          <a:xfrm>
-            <a:off x="10880090" y="6596380"/>
-            <a:ext cx="1311910" cy="245110"/>
-          </a:xfrm>
-        </p:spPr>
-        <p:txBody>
-          <a:bodyPr/>
-          <a:lstStyle/>
-          <a:p>
-            <a:r>
-              <a:rPr lang="zh-CN" altLang="en-US"/>
-              <a:t>三人开发小组</a:t>
-            </a:r>
-          </a:p>
-        </p:txBody>
-      </p:sp>
-    </p:spTree>
-    <p:extLst>
-      <p:ext uri="{BB962C8B-B14F-4D97-AF65-F5344CB8AC3E}">
-        <p14:creationId xmlns:p14="http://schemas.microsoft.com/office/powerpoint/2010/main" val="1571110082"/>
-      </p:ext>
-    </p:extLst>
-  </p:cSld>
-  <p:clrMapOvr>
-    <a:masterClrMapping/>
-  </p:clrMapOvr>
-</p:sld>
-</file>
-
-<file path=ppt/slides/slide6.xml><?xml version="1.0" encoding="utf-8"?>
-<p:sld xmlns:a="http://schemas.openxmlformats.org/drawingml/2006/main" xmlns:r="http://schemas.openxmlformats.org/officeDocument/2006/relationships" xmlns:p="http://schemas.openxmlformats.org/presentationml/2006/main">
-  <p:cSld>
-    <p:spTree>
-      <p:nvGrpSpPr>
-        <p:cNvPr id="1" name=""/>
-        <p:cNvGrpSpPr/>
-        <p:nvPr/>
-      </p:nvGrpSpPr>
-      <p:grpSpPr>
-        <a:xfrm>
-          <a:off x="0" y="0"/>
-          <a:ext cx="0" cy="0"/>
-          <a:chOff x="0" y="0"/>
-          <a:chExt cx="0" cy="0"/>
-        </a:xfrm>
-      </p:grpSpPr>
-      <p:sp>
-        <p:nvSpPr>
-          <p:cNvPr id="6" name="矩形 5"/>
-          <p:cNvSpPr/>
-          <p:nvPr/>
-        </p:nvSpPr>
-        <p:spPr>
-          <a:xfrm>
-            <a:off x="0" y="333375"/>
-            <a:ext cx="12192000" cy="900430"/>
-          </a:xfrm>
-          <a:prstGeom prst="rect">
-            <a:avLst/>
-          </a:prstGeom>
-          <a:solidFill>
-            <a:srgbClr val="00AE66"/>
-          </a:solidFill>
-          <a:ln>
-            <a:noFill/>
-          </a:ln>
-        </p:spPr>
-        <p:style>
-          <a:lnRef idx="2">
-            <a:schemeClr val="accent1">
-              <a:shade val="50000"/>
-            </a:schemeClr>
-          </a:lnRef>
-          <a:fillRef idx="1">
-            <a:schemeClr val="accent1"/>
-          </a:fillRef>
-          <a:effectRef idx="0">
-            <a:schemeClr val="accent1"/>
-          </a:effectRef>
-          <a:fontRef idx="minor">
-            <a:schemeClr val="lt1"/>
-          </a:fontRef>
-        </p:style>
-        <p:txBody>
-          <a:bodyPr rtlCol="0" anchor="ctr"/>
-          <a:lstStyle/>
-          <a:p>
-            <a:pPr algn="ctr"/>
-            <a:endParaRPr lang="zh-CN" altLang="en-US"/>
-          </a:p>
-        </p:txBody>
-      </p:sp>
-      <p:sp>
-        <p:nvSpPr>
-          <p:cNvPr id="4" name="文本框 3"/>
-          <p:cNvSpPr txBox="1"/>
-          <p:nvPr/>
-        </p:nvSpPr>
-        <p:spPr>
-          <a:xfrm>
-            <a:off x="570230" y="427990"/>
-            <a:ext cx="4298315" cy="706755"/>
-          </a:xfrm>
-          <a:prstGeom prst="rect">
-            <a:avLst/>
-          </a:prstGeom>
-          <a:noFill/>
-        </p:spPr>
-        <p:txBody>
-          <a:bodyPr wrap="square" rtlCol="0">
-            <a:spAutoFit/>
-          </a:bodyPr>
-          <a:lstStyle/>
-          <a:p>
-            <a:r>
-              <a:rPr lang="zh-CN" altLang="zh-CN" sz="4000" dirty="0">
-                <a:solidFill>
-                  <a:schemeClr val="bg1"/>
-                </a:solidFill>
-              </a:rPr>
-              <a:t>标题</a:t>
-            </a:r>
-          </a:p>
-        </p:txBody>
-      </p:sp>
-      <p:sp>
-        <p:nvSpPr>
-          <p:cNvPr id="9" name="页脚占位符 8"/>
-          <p:cNvSpPr>
-            <a:spLocks noGrp="1"/>
-          </p:cNvSpPr>
-          <p:nvPr>
-            <p:ph type="ftr" sz="quarter" idx="11"/>
-          </p:nvPr>
-        </p:nvSpPr>
-        <p:spPr>
-          <a:xfrm>
-            <a:off x="10880090" y="6596380"/>
-            <a:ext cx="1311910" cy="245110"/>
-          </a:xfrm>
-        </p:spPr>
-        <p:txBody>
-          <a:bodyPr/>
-          <a:lstStyle/>
-          <a:p>
-            <a:r>
-              <a:rPr lang="zh-CN" altLang="en-US"/>
-              <a:t>三人开发小组</a:t>
-            </a:r>
           </a:p>
         </p:txBody>
       </p:sp>
@@ -4334,7 +3824,7 @@
 </p:sld>
 </file>
 
-<file path=ppt/slides/slide7.xml><?xml version="1.0" encoding="utf-8"?>
+<file path=ppt/slides/slide4.xml><?xml version="1.0" encoding="utf-8"?>
 <p:sld xmlns:a="http://schemas.openxmlformats.org/drawingml/2006/main" xmlns:r="http://schemas.openxmlformats.org/officeDocument/2006/relationships" xmlns:p="http://schemas.openxmlformats.org/presentationml/2006/main">
   <p:cSld>
     <p:spTree>
